--- a/高等计网/大作业/《基于SDN的DDoS攻击防御实现》中期.pptx
+++ b/高等计网/大作业/《基于SDN的DDoS攻击防御实现》中期.pptx
@@ -5,7 +5,7 @@
     <p:sldMasterId id="2147483661" r:id="rId1"/>
   </p:sldMasterIdLst>
   <p:notesMasterIdLst>
-    <p:notesMasterId r:id="rId24"/>
+    <p:notesMasterId r:id="rId26"/>
   </p:notesMasterIdLst>
   <p:sldIdLst>
     <p:sldId id="256" r:id="rId2"/>
@@ -27,9 +27,11 @@
     <p:sldId id="271" r:id="rId18"/>
     <p:sldId id="272" r:id="rId19"/>
     <p:sldId id="274" r:id="rId20"/>
-    <p:sldId id="276" r:id="rId21"/>
-    <p:sldId id="277" r:id="rId22"/>
-    <p:sldId id="275" r:id="rId23"/>
+    <p:sldId id="278" r:id="rId21"/>
+    <p:sldId id="276" r:id="rId22"/>
+    <p:sldId id="277" r:id="rId23"/>
+    <p:sldId id="279" r:id="rId24"/>
+    <p:sldId id="275" r:id="rId25"/>
   </p:sldIdLst>
   <p:sldSz cx="9144000" cy="6858000" type="screen4x3"/>
   <p:notesSz cx="6858000" cy="9144000"/>
@@ -221,7 +223,7 @@
           <a:p>
             <a:fld id="{AB672AF7-0A8F-4095-9D50-EE1FC87F8FAF}" type="datetimeFigureOut">
               <a:rPr lang="zh-CN" altLang="en-US" smtClean="0"/>
-              <a:t>20/11/27</a:t>
+              <a:t>20/12/20</a:t>
             </a:fld>
             <a:endParaRPr lang="zh-CN" altLang="en-US"/>
           </a:p>
@@ -708,7 +710,7 @@
           <a:p>
             <a:fld id="{92C3DB84-8D46-4CBA-94B1-BA691BF27F78}" type="datetimeFigureOut">
               <a:rPr lang="zh-CN" altLang="en-US" smtClean="0"/>
-              <a:t>20/11/27</a:t>
+              <a:t>20/12/20</a:t>
             </a:fld>
             <a:endParaRPr lang="zh-CN" altLang="en-US"/>
           </a:p>
@@ -878,7 +880,7 @@
           <a:p>
             <a:fld id="{92C3DB84-8D46-4CBA-94B1-BA691BF27F78}" type="datetimeFigureOut">
               <a:rPr lang="zh-CN" altLang="en-US" smtClean="0"/>
-              <a:t>20/11/27</a:t>
+              <a:t>20/12/20</a:t>
             </a:fld>
             <a:endParaRPr lang="zh-CN" altLang="en-US"/>
           </a:p>
@@ -1058,7 +1060,7 @@
           <a:p>
             <a:fld id="{92C3DB84-8D46-4CBA-94B1-BA691BF27F78}" type="datetimeFigureOut">
               <a:rPr lang="zh-CN" altLang="en-US" smtClean="0"/>
-              <a:t>20/11/27</a:t>
+              <a:t>20/12/20</a:t>
             </a:fld>
             <a:endParaRPr lang="zh-CN" altLang="en-US"/>
           </a:p>
@@ -1345,7 +1347,7 @@
           <a:p>
             <a:fld id="{92C3DB84-8D46-4CBA-94B1-BA691BF27F78}" type="datetimeFigureOut">
               <a:rPr lang="zh-CN" altLang="en-US" smtClean="0"/>
-              <a:t>20/11/27</a:t>
+              <a:t>20/12/20</a:t>
             </a:fld>
             <a:endParaRPr lang="zh-CN" altLang="en-US"/>
           </a:p>
@@ -1589,7 +1591,7 @@
           <a:p>
             <a:fld id="{92C3DB84-8D46-4CBA-94B1-BA691BF27F78}" type="datetimeFigureOut">
               <a:rPr lang="zh-CN" altLang="en-US" smtClean="0"/>
-              <a:t>20/11/27</a:t>
+              <a:t>20/12/20</a:t>
             </a:fld>
             <a:endParaRPr lang="zh-CN" altLang="en-US"/>
           </a:p>
@@ -1821,7 +1823,7 @@
           <a:p>
             <a:fld id="{92C3DB84-8D46-4CBA-94B1-BA691BF27F78}" type="datetimeFigureOut">
               <a:rPr lang="zh-CN" altLang="en-US" smtClean="0"/>
-              <a:t>20/11/27</a:t>
+              <a:t>20/12/20</a:t>
             </a:fld>
             <a:endParaRPr lang="zh-CN" altLang="en-US"/>
           </a:p>
@@ -2188,7 +2190,7 @@
           <a:p>
             <a:fld id="{92C3DB84-8D46-4CBA-94B1-BA691BF27F78}" type="datetimeFigureOut">
               <a:rPr lang="zh-CN" altLang="en-US" smtClean="0"/>
-              <a:t>20/11/27</a:t>
+              <a:t>20/12/20</a:t>
             </a:fld>
             <a:endParaRPr lang="zh-CN" altLang="en-US"/>
           </a:p>
@@ -2306,7 +2308,7 @@
           <a:p>
             <a:fld id="{92C3DB84-8D46-4CBA-94B1-BA691BF27F78}" type="datetimeFigureOut">
               <a:rPr lang="zh-CN" altLang="en-US" smtClean="0"/>
-              <a:t>20/11/27</a:t>
+              <a:t>20/12/20</a:t>
             </a:fld>
             <a:endParaRPr lang="zh-CN" altLang="en-US"/>
           </a:p>
@@ -2401,7 +2403,7 @@
           <a:p>
             <a:fld id="{92C3DB84-8D46-4CBA-94B1-BA691BF27F78}" type="datetimeFigureOut">
               <a:rPr lang="zh-CN" altLang="en-US" smtClean="0"/>
-              <a:t>20/11/27</a:t>
+              <a:t>20/12/20</a:t>
             </a:fld>
             <a:endParaRPr lang="zh-CN" altLang="en-US"/>
           </a:p>
@@ -2678,7 +2680,7 @@
           <a:p>
             <a:fld id="{92C3DB84-8D46-4CBA-94B1-BA691BF27F78}" type="datetimeFigureOut">
               <a:rPr lang="zh-CN" altLang="en-US" smtClean="0"/>
-              <a:t>20/11/27</a:t>
+              <a:t>20/12/20</a:t>
             </a:fld>
             <a:endParaRPr lang="zh-CN" altLang="en-US"/>
           </a:p>
@@ -2935,7 +2937,7 @@
           <a:p>
             <a:fld id="{92C3DB84-8D46-4CBA-94B1-BA691BF27F78}" type="datetimeFigureOut">
               <a:rPr lang="zh-CN" altLang="en-US" smtClean="0"/>
-              <a:t>20/11/27</a:t>
+              <a:t>20/12/20</a:t>
             </a:fld>
             <a:endParaRPr lang="zh-CN" altLang="en-US"/>
           </a:p>
@@ -3148,7 +3150,7 @@
           <a:p>
             <a:fld id="{92C3DB84-8D46-4CBA-94B1-BA691BF27F78}" type="datetimeFigureOut">
               <a:rPr lang="zh-CN" altLang="en-US" smtClean="0"/>
-              <a:t>20/11/27</a:t>
+              <a:t>20/12/20</a:t>
             </a:fld>
             <a:endParaRPr lang="zh-CN" altLang="en-US"/>
           </a:p>
@@ -3584,16 +3586,12 @@
           <a:p>
             <a:pPr algn="ctr"/>
             <a:r>
-              <a:rPr lang="zh-CN" altLang="en-US" sz="3200"/>
-              <a:t>基于</a:t>
-            </a:r>
-            <a:r>
               <a:rPr lang="en-US" altLang="zh-CN" sz="3200"/>
               <a:t>SDN</a:t>
             </a:r>
             <a:r>
               <a:rPr lang="zh-CN" altLang="en-US" sz="3200"/>
-              <a:t>的</a:t>
+              <a:t>架构下的</a:t>
             </a:r>
             <a:r>
               <a:rPr lang="en-US" altLang="zh-CN" sz="3200"/>
@@ -3603,141 +3601,6 @@
               <a:rPr lang="zh-CN" altLang="en-US" sz="3200"/>
               <a:t>攻击防御实现</a:t>
             </a:r>
-          </a:p>
-        </p:txBody>
-      </p:sp>
-      <p:sp>
-        <p:nvSpPr>
-          <p:cNvPr id="11" name="文本框 10">
-            <a:extLst>
-              <a:ext uri="{FF2B5EF4-FFF2-40B4-BE49-F238E27FC236}">
-                <a16:creationId xmlns:a16="http://schemas.microsoft.com/office/drawing/2014/main" id="{12A830ED-ABC9-487C-802B-3DD01175685A}"/>
-              </a:ext>
-            </a:extLst>
-          </p:cNvPr>
-          <p:cNvSpPr txBox="1"/>
-          <p:nvPr/>
-        </p:nvSpPr>
-        <p:spPr>
-          <a:xfrm>
-            <a:off x="2697761" y="4579903"/>
-            <a:ext cx="6094603" cy="369332"/>
-          </a:xfrm>
-          <a:prstGeom prst="rect">
-            <a:avLst/>
-          </a:prstGeom>
-          <a:noFill/>
-        </p:spPr>
-        <p:txBody>
-          <a:bodyPr wrap="square">
-            <a:spAutoFit/>
-          </a:bodyPr>
-          <a:lstStyle/>
-          <a:p>
-            <a:pPr algn="r"/>
-            <a:r>
-              <a:rPr lang="zh-CN" altLang="en-US"/>
-              <a:t>高等计算机网络   </a:t>
-            </a:r>
-            <a:r>
-              <a:rPr lang="en-US" altLang="zh-CN"/>
-              <a:t>2020</a:t>
-            </a:r>
-            <a:r>
-              <a:rPr lang="zh-CN" altLang="en-US"/>
-              <a:t>年</a:t>
-            </a:r>
-            <a:r>
-              <a:rPr lang="en-US" altLang="zh-CN"/>
-              <a:t>11</a:t>
-            </a:r>
-            <a:r>
-              <a:rPr lang="zh-CN" altLang="en-US"/>
-              <a:t>月</a:t>
-            </a:r>
-            <a:r>
-              <a:rPr lang="en-US" altLang="zh-CN"/>
-              <a:t>27</a:t>
-            </a:r>
-            <a:r>
-              <a:rPr lang="zh-CN" altLang="en-US"/>
-              <a:t>日</a:t>
-            </a:r>
-          </a:p>
-        </p:txBody>
-      </p:sp>
-      <p:sp>
-        <p:nvSpPr>
-          <p:cNvPr id="17" name="文本框 16">
-            <a:extLst>
-              <a:ext uri="{FF2B5EF4-FFF2-40B4-BE49-F238E27FC236}">
-                <a16:creationId xmlns:a16="http://schemas.microsoft.com/office/drawing/2014/main" id="{BD766A46-4738-4A9F-A1FF-3F21AD6445F5}"/>
-              </a:ext>
-            </a:extLst>
-          </p:cNvPr>
-          <p:cNvSpPr txBox="1"/>
-          <p:nvPr/>
-        </p:nvSpPr>
-        <p:spPr>
-          <a:xfrm>
-            <a:off x="1306238" y="3689525"/>
-            <a:ext cx="6531529" cy="369332"/>
-          </a:xfrm>
-          <a:prstGeom prst="rect">
-            <a:avLst/>
-          </a:prstGeom>
-          <a:noFill/>
-        </p:spPr>
-        <p:txBody>
-          <a:bodyPr wrap="square">
-            <a:spAutoFit/>
-          </a:bodyPr>
-          <a:lstStyle/>
-          <a:p>
-            <a:pPr algn="ctr"/>
-            <a:r>
-              <a:rPr lang="zh-CN" altLang="en-US"/>
-              <a:t>温雅楠</a:t>
-            </a:r>
-            <a:r>
-              <a:rPr lang="en-US" altLang="zh-CN" kern="500" spc="151">
-                <a:solidFill>
-                  <a:srgbClr val="000000"/>
-                </a:solidFill>
-                <a:latin typeface="Times New Roman" panose="02020603050405020304" pitchFamily="18" charset="0"/>
-                <a:ea typeface="黑体" panose="02010609060101010101" pitchFamily="49" charset="-122"/>
-              </a:rPr>
-              <a:t>SY2006345</a:t>
-            </a:r>
-            <a:r>
-              <a:rPr lang="zh-CN" altLang="en-US"/>
-              <a:t> 武仕沛</a:t>
-            </a:r>
-            <a:r>
-              <a:rPr lang="en-US" altLang="zh-CN" kern="500" spc="151">
-                <a:solidFill>
-                  <a:srgbClr val="000000"/>
-                </a:solidFill>
-                <a:latin typeface="Times New Roman" panose="02020603050405020304" pitchFamily="18" charset="0"/>
-                <a:ea typeface="黑体" panose="02010609060101010101" pitchFamily="49" charset="-122"/>
-              </a:rPr>
-              <a:t>ZY2006357</a:t>
-            </a:r>
-            <a:r>
-              <a:rPr lang="zh-CN" altLang="en-US"/>
-              <a:t> 王宇翔</a:t>
-            </a:r>
-            <a:r>
-              <a:rPr lang="en-US" altLang="zh-CN" kern="500" spc="151">
-                <a:solidFill>
-                  <a:srgbClr val="000000"/>
-                </a:solidFill>
-                <a:latin typeface="Times New Roman" panose="02020603050405020304" pitchFamily="18" charset="0"/>
-                <a:ea typeface="黑体" panose="02010609060101010101" pitchFamily="49" charset="-122"/>
-              </a:rPr>
-              <a:t>ZY2006160</a:t>
-            </a:r>
-            <a:endParaRPr lang="zh-CN" altLang="en-US"/>
           </a:p>
         </p:txBody>
       </p:sp>
@@ -5020,7 +4883,7 @@
                 <a:latin typeface="Times New Roman" panose="02020603050405020304" pitchFamily="18" charset="0"/>
                 <a:ea typeface="宋体" panose="02010600030101010101" pitchFamily="2" charset="-122"/>
               </a:rPr>
-              <a:t>-f</a:t>
+              <a:t>-f 0</a:t>
             </a:r>
             <a:r>
               <a:rPr lang="zh-CN" altLang="en-US" sz="1800">
@@ -5808,7 +5671,7 @@
         <p:spPr>
           <a:xfrm>
             <a:off x="673216" y="1325027"/>
-            <a:ext cx="7797567" cy="1200329"/>
+            <a:ext cx="7956906" cy="1200329"/>
           </a:xfrm>
           <a:prstGeom prst="rect">
             <a:avLst/>
@@ -5971,7 +5834,7 @@
                 <a:latin typeface="Times New Roman" panose="02020603050405020304" pitchFamily="18" charset="0"/>
                 <a:ea typeface="宋体" panose="02010600030101010101" pitchFamily="2" charset="-122"/>
               </a:rPr>
-              <a:t>-f</a:t>
+              <a:t>-f 1</a:t>
             </a:r>
             <a:r>
               <a:rPr lang="zh-CN" altLang="en-US" sz="1800">
@@ -6564,6 +6427,79 @@
           <p:cNvPr id="2" name="文本框 1">
             <a:extLst>
               <a:ext uri="{FF2B5EF4-FFF2-40B4-BE49-F238E27FC236}">
+                <a16:creationId xmlns:a16="http://schemas.microsoft.com/office/drawing/2014/main" id="{39970D91-314D-419C-A88C-31B4073DDBBE}"/>
+              </a:ext>
+            </a:extLst>
+          </p:cNvPr>
+          <p:cNvSpPr txBox="1"/>
+          <p:nvPr/>
+        </p:nvSpPr>
+        <p:spPr>
+          <a:xfrm>
+            <a:off x="541790" y="861590"/>
+            <a:ext cx="3065476" cy="369332"/>
+          </a:xfrm>
+          <a:prstGeom prst="rect">
+            <a:avLst/>
+          </a:prstGeom>
+          <a:noFill/>
+        </p:spPr>
+        <p:txBody>
+          <a:bodyPr wrap="square">
+            <a:spAutoFit/>
+          </a:bodyPr>
+          <a:lstStyle/>
+          <a:p>
+            <a:r>
+              <a:rPr lang="zh-CN" altLang="en-US">
+                <a:solidFill>
+                  <a:srgbClr val="000000"/>
+                </a:solidFill>
+                <a:latin typeface="Times New Roman" panose="02020603050405020304" pitchFamily="18" charset="0"/>
+                <a:ea typeface="宋体" panose="02010600030101010101" pitchFamily="2" charset="-122"/>
+                <a:cs typeface="Times New Roman" panose="02020603050405020304" pitchFamily="18" charset="0"/>
+              </a:rPr>
+              <a:t>单点攻击防御</a:t>
+            </a:r>
+            <a:endParaRPr lang="zh-CN" altLang="en-US"/>
+          </a:p>
+        </p:txBody>
+      </p:sp>
+    </p:spTree>
+    <p:extLst>
+      <p:ext uri="{BB962C8B-B14F-4D97-AF65-F5344CB8AC3E}">
+        <p14:creationId xmlns:p14="http://schemas.microsoft.com/office/powerpoint/2010/main" val="1517526347"/>
+      </p:ext>
+    </p:extLst>
+  </p:cSld>
+  <p:clrMapOvr>
+    <a:masterClrMapping/>
+  </p:clrMapOvr>
+</p:sld>
+</file>
+
+<file path=ppt/slides/slide21.xml><?xml version="1.0" encoding="utf-8"?>
+<p:sld xmlns:a="http://schemas.openxmlformats.org/drawingml/2006/main" xmlns:r="http://schemas.openxmlformats.org/officeDocument/2006/relationships" xmlns:p="http://schemas.openxmlformats.org/presentationml/2006/main">
+  <p:cSld>
+    <p:spTree>
+      <p:nvGrpSpPr>
+        <p:cNvPr id="1" name=""/>
+        <p:cNvGrpSpPr/>
+        <p:nvPr/>
+      </p:nvGrpSpPr>
+      <p:grpSpPr>
+        <a:xfrm>
+          <a:off x="0" y="0"/>
+          <a:ext cx="0" cy="0"/>
+          <a:chOff x="0" y="0"/>
+          <a:chExt cx="0" cy="0"/>
+        </a:xfrm>
+      </p:grpSpPr>
+      <p:sp>
+        <p:nvSpPr>
+          <p:cNvPr id="2" name="文本框 1">
+            <a:extLst>
+              <a:ext uri="{FF2B5EF4-FFF2-40B4-BE49-F238E27FC236}">
                 <a16:creationId xmlns:a16="http://schemas.microsoft.com/office/drawing/2014/main" id="{770628EF-6505-426A-8372-A54D16360CF7}"/>
               </a:ext>
             </a:extLst>
@@ -6939,7 +6875,7 @@
 </p:sld>
 </file>
 
-<file path=ppt/slides/slide21.xml><?xml version="1.0" encoding="utf-8"?>
+<file path=ppt/slides/slide22.xml><?xml version="1.0" encoding="utf-8"?>
 <p:sld xmlns:a="http://schemas.openxmlformats.org/drawingml/2006/main" xmlns:r="http://schemas.openxmlformats.org/officeDocument/2006/relationships" xmlns:p="http://schemas.openxmlformats.org/presentationml/2006/main">
   <p:cSld>
     <p:spTree>
@@ -7067,6 +7003,194 @@
           </a:prstGeom>
         </p:spPr>
       </p:pic>
+      <p:sp>
+        <p:nvSpPr>
+          <p:cNvPr id="6" name="文本框 5">
+            <a:extLst>
+              <a:ext uri="{FF2B5EF4-FFF2-40B4-BE49-F238E27FC236}">
+                <a16:creationId xmlns:a16="http://schemas.microsoft.com/office/drawing/2014/main" id="{9C4B2B64-E11B-4FCA-89A1-6A37BBA1754F}"/>
+              </a:ext>
+            </a:extLst>
+          </p:cNvPr>
+          <p:cNvSpPr txBox="1"/>
+          <p:nvPr/>
+        </p:nvSpPr>
+        <p:spPr>
+          <a:xfrm>
+            <a:off x="1244994" y="4517390"/>
+            <a:ext cx="5155806" cy="1631216"/>
+          </a:xfrm>
+          <a:prstGeom prst="rect">
+            <a:avLst/>
+          </a:prstGeom>
+          <a:noFill/>
+        </p:spPr>
+        <p:txBody>
+          <a:bodyPr wrap="square">
+            <a:spAutoFit/>
+          </a:bodyPr>
+          <a:lstStyle/>
+          <a:p>
+            <a:pPr indent="304800">
+              <a:lnSpc>
+                <a:spcPts val="2000"/>
+              </a:lnSpc>
+            </a:pPr>
+            <a:r>
+              <a:rPr lang="zh-CN" altLang="en-US" kern="100">
+                <a:solidFill>
+                  <a:srgbClr val="000000"/>
+                </a:solidFill>
+                <a:latin typeface="Times New Roman" panose="02020603050405020304" pitchFamily="18" charset="0"/>
+                <a:ea typeface="宋体" panose="02010600030101010101" pitchFamily="2" charset="-122"/>
+                <a:cs typeface="Times New Roman" panose="02020603050405020304" pitchFamily="18" charset="0"/>
+              </a:rPr>
+              <a:t>通过计算接收</a:t>
+            </a:r>
+            <a:r>
+              <a:rPr lang="en-US" altLang="zh-CN" kern="100">
+                <a:solidFill>
+                  <a:srgbClr val="000000"/>
+                </a:solidFill>
+                <a:latin typeface="Times New Roman" panose="02020603050405020304" pitchFamily="18" charset="0"/>
+                <a:ea typeface="宋体" panose="02010600030101010101" pitchFamily="2" charset="-122"/>
+                <a:cs typeface="Times New Roman" panose="02020603050405020304" pitchFamily="18" charset="0"/>
+              </a:rPr>
+              <a:t>packet-in</a:t>
+            </a:r>
+            <a:r>
+              <a:rPr lang="zh-CN" altLang="en-US" kern="100">
+                <a:solidFill>
+                  <a:srgbClr val="000000"/>
+                </a:solidFill>
+                <a:latin typeface="Times New Roman" panose="02020603050405020304" pitchFamily="18" charset="0"/>
+                <a:ea typeface="宋体" panose="02010600030101010101" pitchFamily="2" charset="-122"/>
+                <a:cs typeface="Times New Roman" panose="02020603050405020304" pitchFamily="18" charset="0"/>
+              </a:rPr>
+              <a:t>报文的速率和控制器的处理速率得到当前时刻下的负载程度，并与控制器负载阈值进行对比，以实现</a:t>
+            </a:r>
+            <a:r>
+              <a:rPr lang="en-US" altLang="zh-CN" kern="100">
+                <a:solidFill>
+                  <a:srgbClr val="000000"/>
+                </a:solidFill>
+                <a:latin typeface="Times New Roman" panose="02020603050405020304" pitchFamily="18" charset="0"/>
+                <a:ea typeface="宋体" panose="02010600030101010101" pitchFamily="2" charset="-122"/>
+                <a:cs typeface="Times New Roman" panose="02020603050405020304" pitchFamily="18" charset="0"/>
+              </a:rPr>
+              <a:t>busy</a:t>
+            </a:r>
+            <a:r>
+              <a:rPr lang="zh-CN" altLang="en-US" kern="100">
+                <a:solidFill>
+                  <a:srgbClr val="000000"/>
+                </a:solidFill>
+                <a:latin typeface="Times New Roman" panose="02020603050405020304" pitchFamily="18" charset="0"/>
+                <a:ea typeface="宋体" panose="02010600030101010101" pitchFamily="2" charset="-122"/>
+                <a:cs typeface="Times New Roman" panose="02020603050405020304" pitchFamily="18" charset="0"/>
+              </a:rPr>
+              <a:t>和</a:t>
+            </a:r>
+            <a:r>
+              <a:rPr lang="en-US" altLang="zh-CN" kern="100">
+                <a:solidFill>
+                  <a:srgbClr val="000000"/>
+                </a:solidFill>
+                <a:latin typeface="Times New Roman" panose="02020603050405020304" pitchFamily="18" charset="0"/>
+                <a:ea typeface="宋体" panose="02010600030101010101" pitchFamily="2" charset="-122"/>
+                <a:cs typeface="Times New Roman" panose="02020603050405020304" pitchFamily="18" charset="0"/>
+              </a:rPr>
+              <a:t>idle</a:t>
+            </a:r>
+            <a:r>
+              <a:rPr lang="zh-CN" altLang="en-US" kern="100">
+                <a:solidFill>
+                  <a:srgbClr val="000000"/>
+                </a:solidFill>
+                <a:latin typeface="Times New Roman" panose="02020603050405020304" pitchFamily="18" charset="0"/>
+                <a:ea typeface="宋体" panose="02010600030101010101" pitchFamily="2" charset="-122"/>
+                <a:cs typeface="Times New Roman" panose="02020603050405020304" pitchFamily="18" charset="0"/>
+              </a:rPr>
+              <a:t>两种状态的转换，</a:t>
+            </a:r>
+            <a:r>
+              <a:rPr lang="en-US" altLang="zh-CN" kern="100">
+                <a:solidFill>
+                  <a:srgbClr val="000000"/>
+                </a:solidFill>
+                <a:latin typeface="Times New Roman" panose="02020603050405020304" pitchFamily="18" charset="0"/>
+                <a:ea typeface="宋体" panose="02010600030101010101" pitchFamily="2" charset="-122"/>
+                <a:cs typeface="Times New Roman" panose="02020603050405020304" pitchFamily="18" charset="0"/>
+              </a:rPr>
+              <a:t>busy</a:t>
+            </a:r>
+            <a:r>
+              <a:rPr lang="zh-CN" altLang="en-US" kern="100">
+                <a:solidFill>
+                  <a:srgbClr val="000000"/>
+                </a:solidFill>
+                <a:latin typeface="Times New Roman" panose="02020603050405020304" pitchFamily="18" charset="0"/>
+                <a:ea typeface="宋体" panose="02010600030101010101" pitchFamily="2" charset="-122"/>
+                <a:cs typeface="Times New Roman" panose="02020603050405020304" pitchFamily="18" charset="0"/>
+              </a:rPr>
+              <a:t>状态时，下发转发流表，减缓</a:t>
+            </a:r>
+            <a:r>
+              <a:rPr lang="en-US" altLang="zh-CN" kern="100">
+                <a:solidFill>
+                  <a:srgbClr val="000000"/>
+                </a:solidFill>
+                <a:latin typeface="Times New Roman" panose="02020603050405020304" pitchFamily="18" charset="0"/>
+                <a:ea typeface="宋体" panose="02010600030101010101" pitchFamily="2" charset="-122"/>
+                <a:cs typeface="Times New Roman" panose="02020603050405020304" pitchFamily="18" charset="0"/>
+              </a:rPr>
+              <a:t>packet-in</a:t>
+            </a:r>
+            <a:r>
+              <a:rPr lang="zh-CN" altLang="en-US" kern="100">
+                <a:solidFill>
+                  <a:srgbClr val="000000"/>
+                </a:solidFill>
+                <a:latin typeface="Times New Roman" panose="02020603050405020304" pitchFamily="18" charset="0"/>
+                <a:ea typeface="宋体" panose="02010600030101010101" pitchFamily="2" charset="-122"/>
+                <a:cs typeface="Times New Roman" panose="02020603050405020304" pitchFamily="18" charset="0"/>
+              </a:rPr>
+              <a:t>接收，</a:t>
+            </a:r>
+            <a:r>
+              <a:rPr lang="en-US" altLang="zh-CN" kern="100">
+                <a:solidFill>
+                  <a:srgbClr val="000000"/>
+                </a:solidFill>
+                <a:latin typeface="Times New Roman" panose="02020603050405020304" pitchFamily="18" charset="0"/>
+                <a:ea typeface="宋体" panose="02010600030101010101" pitchFamily="2" charset="-122"/>
+                <a:cs typeface="Times New Roman" panose="02020603050405020304" pitchFamily="18" charset="0"/>
+              </a:rPr>
+              <a:t>idle</a:t>
+            </a:r>
+            <a:r>
+              <a:rPr lang="zh-CN" altLang="en-US" kern="100">
+                <a:solidFill>
+                  <a:srgbClr val="000000"/>
+                </a:solidFill>
+                <a:latin typeface="Times New Roman" panose="02020603050405020304" pitchFamily="18" charset="0"/>
+                <a:ea typeface="宋体" panose="02010600030101010101" pitchFamily="2" charset="-122"/>
+                <a:cs typeface="Times New Roman" panose="02020603050405020304" pitchFamily="18" charset="0"/>
+              </a:rPr>
+              <a:t>状态时，开启队列，计算转发路径。</a:t>
+            </a:r>
+            <a:endParaRPr lang="zh-CN" altLang="zh-CN" sz="1800" kern="100">
+              <a:solidFill>
+                <a:srgbClr val="000000"/>
+              </a:solidFill>
+              <a:effectLst/>
+              <a:latin typeface="Times New Roman" panose="02020603050405020304" pitchFamily="18" charset="0"/>
+              <a:ea typeface="宋体" panose="02010600030101010101" pitchFamily="2" charset="-122"/>
+              <a:cs typeface="Times New Roman" panose="02020603050405020304" pitchFamily="18" charset="0"/>
+            </a:endParaRPr>
+          </a:p>
+        </p:txBody>
+      </p:sp>
     </p:spTree>
     <p:extLst>
       <p:ext uri="{BB962C8B-B14F-4D97-AF65-F5344CB8AC3E}">
@@ -7080,7 +7204,102 @@
 </p:sld>
 </file>
 
-<file path=ppt/slides/slide22.xml><?xml version="1.0" encoding="utf-8"?>
+<file path=ppt/slides/slide23.xml><?xml version="1.0" encoding="utf-8"?>
+<p:sld xmlns:a="http://schemas.openxmlformats.org/drawingml/2006/main" xmlns:r="http://schemas.openxmlformats.org/officeDocument/2006/relationships" xmlns:p="http://schemas.openxmlformats.org/presentationml/2006/main">
+  <p:cSld>
+    <p:spTree>
+      <p:nvGrpSpPr>
+        <p:cNvPr id="1" name=""/>
+        <p:cNvGrpSpPr/>
+        <p:nvPr/>
+      </p:nvGrpSpPr>
+      <p:grpSpPr>
+        <a:xfrm>
+          <a:off x="0" y="0"/>
+          <a:ext cx="0" cy="0"/>
+          <a:chOff x="0" y="0"/>
+          <a:chExt cx="0" cy="0"/>
+        </a:xfrm>
+      </p:grpSpPr>
+      <p:sp>
+        <p:nvSpPr>
+          <p:cNvPr id="2" name="文本框 1">
+            <a:extLst>
+              <a:ext uri="{FF2B5EF4-FFF2-40B4-BE49-F238E27FC236}">
+                <a16:creationId xmlns:a16="http://schemas.microsoft.com/office/drawing/2014/main" id="{96EEA6EA-218B-4740-BF57-5C2BC78DAA9D}"/>
+              </a:ext>
+            </a:extLst>
+          </p:cNvPr>
+          <p:cNvSpPr txBox="1"/>
+          <p:nvPr/>
+        </p:nvSpPr>
+        <p:spPr>
+          <a:xfrm>
+            <a:off x="541790" y="861590"/>
+            <a:ext cx="3065476" cy="369332"/>
+          </a:xfrm>
+          <a:prstGeom prst="rect">
+            <a:avLst/>
+          </a:prstGeom>
+          <a:noFill/>
+        </p:spPr>
+        <p:txBody>
+          <a:bodyPr wrap="square">
+            <a:spAutoFit/>
+          </a:bodyPr>
+          <a:lstStyle/>
+          <a:p>
+            <a:r>
+              <a:rPr lang="zh-CN" altLang="en-US">
+                <a:solidFill>
+                  <a:srgbClr val="000000"/>
+                </a:solidFill>
+                <a:latin typeface="Times New Roman" panose="02020603050405020304" pitchFamily="18" charset="0"/>
+                <a:ea typeface="宋体" panose="02010600030101010101" pitchFamily="2" charset="-122"/>
+                <a:cs typeface="Times New Roman" panose="02020603050405020304" pitchFamily="18" charset="0"/>
+              </a:rPr>
+              <a:t>基于</a:t>
+            </a:r>
+            <a:r>
+              <a:rPr lang="en-US" altLang="zh-CN">
+                <a:solidFill>
+                  <a:srgbClr val="000000"/>
+                </a:solidFill>
+                <a:latin typeface="Times New Roman" panose="02020603050405020304" pitchFamily="18" charset="0"/>
+                <a:ea typeface="宋体" panose="02010600030101010101" pitchFamily="2" charset="-122"/>
+                <a:cs typeface="Times New Roman" panose="02020603050405020304" pitchFamily="18" charset="0"/>
+              </a:rPr>
+              <a:t>…</a:t>
+            </a:r>
+            <a:r>
+              <a:rPr lang="zh-CN" altLang="en-US">
+                <a:solidFill>
+                  <a:srgbClr val="000000"/>
+                </a:solidFill>
+                <a:latin typeface="Times New Roman" panose="02020603050405020304" pitchFamily="18" charset="0"/>
+                <a:ea typeface="宋体" panose="02010600030101010101" pitchFamily="2" charset="-122"/>
+                <a:cs typeface="Times New Roman" panose="02020603050405020304" pitchFamily="18" charset="0"/>
+              </a:rPr>
+              <a:t>的单点攻击防御设计</a:t>
+            </a:r>
+            <a:endParaRPr lang="zh-CN" altLang="en-US"/>
+          </a:p>
+        </p:txBody>
+      </p:sp>
+    </p:spTree>
+    <p:extLst>
+      <p:ext uri="{BB962C8B-B14F-4D97-AF65-F5344CB8AC3E}">
+        <p14:creationId xmlns:p14="http://schemas.microsoft.com/office/powerpoint/2010/main" val="2322076071"/>
+      </p:ext>
+    </p:extLst>
+  </p:cSld>
+  <p:clrMapOvr>
+    <a:masterClrMapping/>
+  </p:clrMapOvr>
+</p:sld>
+</file>
+
+<file path=ppt/slides/slide24.xml><?xml version="1.0" encoding="utf-8"?>
 <p:sld xmlns:a="http://schemas.openxmlformats.org/drawingml/2006/main" xmlns:r="http://schemas.openxmlformats.org/officeDocument/2006/relationships" xmlns:p="http://schemas.openxmlformats.org/presentationml/2006/main">
   <p:cSld>
     <p:spTree>
@@ -7855,7 +8074,7 @@
         <p:spPr>
           <a:xfrm>
             <a:off x="650846" y="3671773"/>
-            <a:ext cx="8034556" cy="984885"/>
+            <a:ext cx="8034556" cy="1200329"/>
           </a:xfrm>
           <a:prstGeom prst="rect">
             <a:avLst/>
@@ -7869,20 +8088,19 @@
           <a:lstStyle/>
           <a:p>
             <a:r>
-              <a:rPr lang="en-US" altLang="zh-CN" sz="2000" b="1"/>
-              <a:t>·</a:t>
-            </a:r>
-            <a:r>
               <a:rPr lang="zh-CN" altLang="en-US"/>
-              <a:t>组网环境搭建，控制器源码级开发，熟悉控制模块、链路发现模块、拓扑管理模块等，对控制器进行二次开发，结合网络流量监测工具，分析网络运行状况。</a:t>
+              <a:t>实验目标</a:t>
             </a:r>
             <a:endParaRPr lang="en-US" altLang="zh-CN"/>
           </a:p>
           <a:p>
             <a:r>
-              <a:rPr lang="en-US" altLang="zh-CN" sz="2000" b="1"/>
-              <a:t>·</a:t>
-            </a:r>
+              <a:rPr lang="zh-CN" altLang="en-US"/>
+              <a:t>组网环境搭建，控制器源码级开发，熟悉控制模块、链路发现模块、拓扑管理模块等，对控制器进行二次开发，结合网络流量监测工具，分析网络运行状况。</a:t>
+            </a:r>
+            <a:endParaRPr lang="en-US" altLang="zh-CN"/>
+          </a:p>
+          <a:p>
             <a:r>
               <a:rPr lang="en-US" altLang="zh-CN"/>
               <a:t>DDoS</a:t>
@@ -8833,7 +9051,7 @@
                 <a:ea typeface="宋体" panose="02010600030101010101" pitchFamily="2" charset="-122"/>
                 <a:cs typeface="Times New Roman" panose="02020603050405020304" pitchFamily="18" charset="0"/>
               </a:rPr>
-              <a:t>完成工作</a:t>
+              <a:t>实验步骤</a:t>
             </a:r>
             <a:endParaRPr lang="zh-CN" altLang="en-US" sz="2400"/>
           </a:p>
